--- a/Firebase Presentation.pptx
+++ b/Firebase Presentation.pptx
@@ -3624,7 +3624,164 @@
             </a:r>
           </a:p>
           <a:p>
-            <a:pPr algn="ctr"/>
+            <a:r>
+              <a:rPr lang="de-AT" dirty="0"/>
+              <a:t>iOS App </a:t>
+            </a:r>
+            <a:endParaRPr lang="de-AT" sz="4800" dirty="0"/>
+          </a:p>
+          <a:p>
+            <a:r>
+              <a:rPr lang="de-AT" dirty="0"/>
+              <a:t>Setup </a:t>
+            </a:r>
+            <a:r>
+              <a:rPr lang="de-AT" dirty="0" err="1"/>
+              <a:t>database</a:t>
+            </a:r>
+            <a:endParaRPr lang="de-AT" dirty="0"/>
+          </a:p>
+          <a:p>
+            <a:r>
+              <a:rPr lang="de-AT" dirty="0"/>
+              <a:t>Add </a:t>
+            </a:r>
+            <a:r>
+              <a:rPr lang="de-AT" dirty="0" err="1"/>
+              <a:t>new</a:t>
+            </a:r>
+            <a:r>
+              <a:rPr lang="de-AT" dirty="0"/>
+              <a:t> </a:t>
+            </a:r>
+            <a:r>
+              <a:rPr lang="de-AT" dirty="0" err="1"/>
+              <a:t>project</a:t>
+            </a:r>
+            <a:endParaRPr lang="de-AT" dirty="0"/>
+          </a:p>
+          <a:p>
+            <a:r>
+              <a:rPr lang="de-AT" dirty="0"/>
+              <a:t>Connect </a:t>
+            </a:r>
+            <a:r>
+              <a:rPr lang="de-AT" dirty="0" err="1"/>
+              <a:t>database</a:t>
+            </a:r>
+            <a:r>
+              <a:rPr lang="de-AT" dirty="0"/>
+              <a:t> </a:t>
+            </a:r>
+            <a:r>
+              <a:rPr lang="de-AT" dirty="0" err="1"/>
+              <a:t>with</a:t>
+            </a:r>
+            <a:r>
+              <a:rPr lang="de-AT" dirty="0"/>
+              <a:t> </a:t>
+            </a:r>
+            <a:r>
+              <a:rPr lang="de-AT" dirty="0" err="1"/>
+              <a:t>XCode</a:t>
+            </a:r>
+            <a:r>
+              <a:rPr lang="de-AT" dirty="0"/>
+              <a:t> </a:t>
+            </a:r>
+            <a:r>
+              <a:rPr lang="de-AT" dirty="0" err="1"/>
+              <a:t>project</a:t>
+            </a:r>
+            <a:endParaRPr lang="de-AT" dirty="0"/>
+          </a:p>
+          <a:p>
+            <a:r>
+              <a:rPr lang="de-AT" dirty="0"/>
+              <a:t>Save </a:t>
+            </a:r>
+            <a:r>
+              <a:rPr lang="de-AT" dirty="0" err="1"/>
+              <a:t>and</a:t>
+            </a:r>
+            <a:r>
+              <a:rPr lang="de-AT" dirty="0"/>
+              <a:t> </a:t>
+            </a:r>
+            <a:r>
+              <a:rPr lang="de-AT" dirty="0" err="1"/>
+              <a:t>delete</a:t>
+            </a:r>
+            <a:r>
+              <a:rPr lang="de-AT" dirty="0"/>
+              <a:t> </a:t>
+            </a:r>
+            <a:r>
+              <a:rPr lang="de-AT" dirty="0" err="1"/>
+              <a:t>items</a:t>
+            </a:r>
+            <a:r>
+              <a:rPr lang="de-AT" dirty="0"/>
+              <a:t> in </a:t>
+            </a:r>
+            <a:r>
+              <a:rPr lang="de-AT" dirty="0" err="1"/>
+              <a:t>realtime</a:t>
+            </a:r>
+            <a:endParaRPr lang="de-AT" dirty="0"/>
+          </a:p>
+          <a:p>
+            <a:r>
+              <a:rPr lang="de-AT" dirty="0"/>
+              <a:t>Authentication </a:t>
+            </a:r>
+            <a:r>
+              <a:rPr lang="de-AT" dirty="0" err="1"/>
+              <a:t>or</a:t>
+            </a:r>
+            <a:r>
+              <a:rPr lang="de-AT" dirty="0"/>
+              <a:t> </a:t>
+            </a:r>
+            <a:r>
+              <a:rPr lang="de-AT" dirty="0" err="1"/>
+              <a:t>login</a:t>
+            </a:r>
+            <a:r>
+              <a:rPr lang="de-AT" dirty="0"/>
+              <a:t> </a:t>
+            </a:r>
+            <a:r>
+              <a:rPr lang="de-AT" dirty="0" err="1"/>
+              <a:t>with</a:t>
+            </a:r>
+            <a:r>
+              <a:rPr lang="de-AT" dirty="0"/>
+              <a:t> email </a:t>
+            </a:r>
+            <a:r>
+              <a:rPr lang="de-AT" dirty="0" err="1"/>
+              <a:t>and</a:t>
+            </a:r>
+            <a:r>
+              <a:rPr lang="de-AT" dirty="0"/>
+              <a:t> </a:t>
+            </a:r>
+            <a:r>
+              <a:rPr lang="de-AT" dirty="0" err="1"/>
+              <a:t>password</a:t>
+            </a:r>
+            <a:endParaRPr lang="de-AT" dirty="0"/>
+          </a:p>
+          <a:p>
+            <a:r>
+              <a:rPr lang="de-AT" dirty="0"/>
+              <a:t>See online </a:t>
+            </a:r>
+            <a:r>
+              <a:rPr lang="de-AT" dirty="0" err="1"/>
+              <a:t>users</a:t>
+            </a:r>
             <a:endParaRPr lang="de-DE" sz="4800" dirty="0"/>
           </a:p>
         </p:txBody>
